--- a/소프트웨어설계_9팀_발표자료.pptx
+++ b/소프트웨어설계_9팀_발표자료.pptx
@@ -21,8 +21,7 @@
     <p:sldId id="284" r:id="rId15"/>
     <p:sldId id="280" r:id="rId16"/>
     <p:sldId id="281" r:id="rId17"/>
-    <p:sldId id="288" r:id="rId18"/>
-    <p:sldId id="260" r:id="rId19"/>
+    <p:sldId id="260" r:id="rId18"/>
   </p:sldIdLst>
   <p:sldSz cx="12192000" cy="6858000"/>
   <p:notesSz cx="6858000" cy="9144000"/>
@@ -287,7 +286,7 @@
           <a:p>
             <a:fld id="{D4F72067-1EDB-4B46-A962-DD632E72B9EB}" type="datetimeFigureOut">
               <a:rPr lang="ko-KR" altLang="en-US" smtClean="0"/>
-              <a:t>2019-11-24</a:t>
+              <a:t>2019-12-17</a:t>
             </a:fld>
             <a:endParaRPr lang="ko-KR" altLang="en-US"/>
           </a:p>
@@ -485,7 +484,7 @@
           <a:p>
             <a:fld id="{D4F72067-1EDB-4B46-A962-DD632E72B9EB}" type="datetimeFigureOut">
               <a:rPr lang="ko-KR" altLang="en-US" smtClean="0"/>
-              <a:t>2019-11-24</a:t>
+              <a:t>2019-12-17</a:t>
             </a:fld>
             <a:endParaRPr lang="ko-KR" altLang="en-US"/>
           </a:p>
@@ -693,7 +692,7 @@
           <a:p>
             <a:fld id="{D4F72067-1EDB-4B46-A962-DD632E72B9EB}" type="datetimeFigureOut">
               <a:rPr lang="ko-KR" altLang="en-US" smtClean="0"/>
-              <a:t>2019-11-24</a:t>
+              <a:t>2019-12-17</a:t>
             </a:fld>
             <a:endParaRPr lang="ko-KR" altLang="en-US"/>
           </a:p>
@@ -891,7 +890,7 @@
           <a:p>
             <a:fld id="{D4F72067-1EDB-4B46-A962-DD632E72B9EB}" type="datetimeFigureOut">
               <a:rPr lang="ko-KR" altLang="en-US" smtClean="0"/>
-              <a:t>2019-11-24</a:t>
+              <a:t>2019-12-17</a:t>
             </a:fld>
             <a:endParaRPr lang="ko-KR" altLang="en-US"/>
           </a:p>
@@ -1166,7 +1165,7 @@
           <a:p>
             <a:fld id="{D4F72067-1EDB-4B46-A962-DD632E72B9EB}" type="datetimeFigureOut">
               <a:rPr lang="ko-KR" altLang="en-US" smtClean="0"/>
-              <a:t>2019-11-24</a:t>
+              <a:t>2019-12-17</a:t>
             </a:fld>
             <a:endParaRPr lang="ko-KR" altLang="en-US"/>
           </a:p>
@@ -1431,7 +1430,7 @@
           <a:p>
             <a:fld id="{D4F72067-1EDB-4B46-A962-DD632E72B9EB}" type="datetimeFigureOut">
               <a:rPr lang="ko-KR" altLang="en-US" smtClean="0"/>
-              <a:t>2019-11-24</a:t>
+              <a:t>2019-12-17</a:t>
             </a:fld>
             <a:endParaRPr lang="ko-KR" altLang="en-US"/>
           </a:p>
@@ -1843,7 +1842,7 @@
           <a:p>
             <a:fld id="{D4F72067-1EDB-4B46-A962-DD632E72B9EB}" type="datetimeFigureOut">
               <a:rPr lang="ko-KR" altLang="en-US" smtClean="0"/>
-              <a:t>2019-11-24</a:t>
+              <a:t>2019-12-17</a:t>
             </a:fld>
             <a:endParaRPr lang="ko-KR" altLang="en-US"/>
           </a:p>
@@ -1984,7 +1983,7 @@
           <a:p>
             <a:fld id="{D4F72067-1EDB-4B46-A962-DD632E72B9EB}" type="datetimeFigureOut">
               <a:rPr lang="ko-KR" altLang="en-US" smtClean="0"/>
-              <a:t>2019-11-24</a:t>
+              <a:t>2019-12-17</a:t>
             </a:fld>
             <a:endParaRPr lang="ko-KR" altLang="en-US"/>
           </a:p>
@@ -2097,7 +2096,7 @@
           <a:p>
             <a:fld id="{D4F72067-1EDB-4B46-A962-DD632E72B9EB}" type="datetimeFigureOut">
               <a:rPr lang="ko-KR" altLang="en-US" smtClean="0"/>
-              <a:t>2019-11-24</a:t>
+              <a:t>2019-12-17</a:t>
             </a:fld>
             <a:endParaRPr lang="ko-KR" altLang="en-US"/>
           </a:p>
@@ -2408,7 +2407,7 @@
           <a:p>
             <a:fld id="{D4F72067-1EDB-4B46-A962-DD632E72B9EB}" type="datetimeFigureOut">
               <a:rPr lang="ko-KR" altLang="en-US" smtClean="0"/>
-              <a:t>2019-11-24</a:t>
+              <a:t>2019-12-17</a:t>
             </a:fld>
             <a:endParaRPr lang="ko-KR" altLang="en-US"/>
           </a:p>
@@ -2696,7 +2695,7 @@
           <a:p>
             <a:fld id="{D4F72067-1EDB-4B46-A962-DD632E72B9EB}" type="datetimeFigureOut">
               <a:rPr lang="ko-KR" altLang="en-US" smtClean="0"/>
-              <a:t>2019-11-24</a:t>
+              <a:t>2019-12-17</a:t>
             </a:fld>
             <a:endParaRPr lang="ko-KR" altLang="en-US"/>
           </a:p>
@@ -2937,7 +2936,7 @@
           <a:p>
             <a:fld id="{D4F72067-1EDB-4B46-A962-DD632E72B9EB}" type="datetimeFigureOut">
               <a:rPr lang="ko-KR" altLang="en-US" smtClean="0"/>
-              <a:t>2019-11-24</a:t>
+              <a:t>2019-12-17</a:t>
             </a:fld>
             <a:endParaRPr lang="ko-KR" altLang="en-US"/>
           </a:p>
@@ -7701,333 +7700,6 @@
 <file path=ppt/slides/slide17.xml><?xml version="1.0" encoding="utf-8"?>
 <p:sld xmlns:a="http://schemas.openxmlformats.org/drawingml/2006/main" xmlns:r="http://schemas.openxmlformats.org/officeDocument/2006/relationships" xmlns:p="http://schemas.openxmlformats.org/presentationml/2006/main">
   <p:cSld>
-    <p:spTree>
-      <p:nvGrpSpPr>
-        <p:cNvPr id="1" name=""/>
-        <p:cNvGrpSpPr/>
-        <p:nvPr/>
-      </p:nvGrpSpPr>
-      <p:grpSpPr>
-        <a:xfrm>
-          <a:off x="0" y="0"/>
-          <a:ext cx="0" cy="0"/>
-          <a:chOff x="0" y="0"/>
-          <a:chExt cx="0" cy="0"/>
-        </a:xfrm>
-      </p:grpSpPr>
-      <p:grpSp>
-        <p:nvGrpSpPr>
-          <p:cNvPr id="4" name="그룹 3">
-            <a:extLst>
-              <a:ext uri="{FF2B5EF4-FFF2-40B4-BE49-F238E27FC236}">
-                <a16:creationId xmlns:a16="http://schemas.microsoft.com/office/drawing/2014/main" id="{72F81081-2A3E-4018-B0C0-98340BD8BB3E}"/>
-              </a:ext>
-            </a:extLst>
-          </p:cNvPr>
-          <p:cNvGrpSpPr/>
-          <p:nvPr/>
-        </p:nvGrpSpPr>
-        <p:grpSpPr>
-          <a:xfrm>
-            <a:off x="263352" y="0"/>
-            <a:ext cx="1556768" cy="620688"/>
-            <a:chOff x="263352" y="0"/>
-            <a:chExt cx="1556768" cy="620688"/>
-          </a:xfrm>
-        </p:grpSpPr>
-        <p:sp>
-          <p:nvSpPr>
-            <p:cNvPr id="5" name="직사각형 4">
-              <a:extLst>
-                <a:ext uri="{FF2B5EF4-FFF2-40B4-BE49-F238E27FC236}">
-                  <a16:creationId xmlns:a16="http://schemas.microsoft.com/office/drawing/2014/main" id="{F609DFEC-816F-4E21-985D-F8EE46230C16}"/>
-                </a:ext>
-              </a:extLst>
-            </p:cNvPr>
-            <p:cNvSpPr/>
-            <p:nvPr/>
-          </p:nvSpPr>
-          <p:spPr>
-            <a:xfrm>
-              <a:off x="263352" y="0"/>
-              <a:ext cx="144016" cy="557972"/>
-            </a:xfrm>
-            <a:prstGeom prst="rect">
-              <a:avLst/>
-            </a:prstGeom>
-            <a:solidFill>
-              <a:schemeClr val="tx1">
-                <a:lumMod val="75000"/>
-                <a:lumOff val="25000"/>
-              </a:schemeClr>
-            </a:solidFill>
-            <a:ln>
-              <a:noFill/>
-            </a:ln>
-          </p:spPr>
-          <p:style>
-            <a:lnRef idx="2">
-              <a:schemeClr val="accent1">
-                <a:shade val="50000"/>
-              </a:schemeClr>
-            </a:lnRef>
-            <a:fillRef idx="1">
-              <a:schemeClr val="accent1"/>
-            </a:fillRef>
-            <a:effectRef idx="0">
-              <a:schemeClr val="accent1"/>
-            </a:effectRef>
-            <a:fontRef idx="minor">
-              <a:schemeClr val="lt1"/>
-            </a:fontRef>
-          </p:style>
-          <p:txBody>
-            <a:bodyPr rtlCol="0" anchor="ctr"/>
-            <a:lstStyle/>
-            <a:p>
-              <a:pPr algn="ctr"/>
-              <a:endParaRPr lang="ko-KR" altLang="en-US" dirty="0"/>
-            </a:p>
-          </p:txBody>
-        </p:sp>
-        <p:sp>
-          <p:nvSpPr>
-            <p:cNvPr id="6" name="TextBox 5">
-              <a:extLst>
-                <a:ext uri="{FF2B5EF4-FFF2-40B4-BE49-F238E27FC236}">
-                  <a16:creationId xmlns:a16="http://schemas.microsoft.com/office/drawing/2014/main" id="{E0ED4E95-9745-4F5B-9619-C3402DB9DB9D}"/>
-                </a:ext>
-              </a:extLst>
-            </p:cNvPr>
-            <p:cNvSpPr txBox="1"/>
-            <p:nvPr/>
-          </p:nvSpPr>
-          <p:spPr>
-            <a:xfrm>
-              <a:off x="407554" y="251356"/>
-              <a:ext cx="1412566" cy="369332"/>
-            </a:xfrm>
-            <a:prstGeom prst="rect">
-              <a:avLst/>
-            </a:prstGeom>
-            <a:noFill/>
-          </p:spPr>
-          <p:txBody>
-            <a:bodyPr wrap="none" rtlCol="0">
-              <a:spAutoFit/>
-            </a:bodyPr>
-            <a:lstStyle/>
-            <a:p>
-              <a:r>
-                <a:rPr lang="en-US" altLang="ko-KR" dirty="0">
-                  <a:solidFill>
-                    <a:srgbClr val="404040"/>
-                  </a:solidFill>
-                  <a:latin typeface="나눔고딕 ExtraBold" panose="020D0904000000000000" pitchFamily="50" charset="-127"/>
-                  <a:ea typeface="나눔고딕 ExtraBold" panose="020D0904000000000000" pitchFamily="50" charset="-127"/>
-                </a:rPr>
-                <a:t>07.</a:t>
-              </a:r>
-              <a:r>
-                <a:rPr lang="ko-KR" altLang="en-US" dirty="0">
-                  <a:solidFill>
-                    <a:srgbClr val="404040"/>
-                  </a:solidFill>
-                  <a:latin typeface="나눔고딕 ExtraBold" panose="020D0904000000000000" pitchFamily="50" charset="-127"/>
-                  <a:ea typeface="나눔고딕 ExtraBold" panose="020D0904000000000000" pitchFamily="50" charset="-127"/>
-                </a:rPr>
-                <a:t>진행상황</a:t>
-              </a:r>
-              <a:endParaRPr lang="en-US" altLang="ko-KR" dirty="0">
-                <a:solidFill>
-                  <a:srgbClr val="404040"/>
-                </a:solidFill>
-                <a:latin typeface="나눔고딕" panose="020D0604000000000000" pitchFamily="50" charset="-127"/>
-                <a:ea typeface="나눔고딕" panose="020D0604000000000000" pitchFamily="50" charset="-127"/>
-              </a:endParaRPr>
-            </a:p>
-          </p:txBody>
-        </p:sp>
-      </p:grpSp>
-      <p:sp>
-        <p:nvSpPr>
-          <p:cNvPr id="7" name="TextBox 6">
-            <a:extLst>
-              <a:ext uri="{FF2B5EF4-FFF2-40B4-BE49-F238E27FC236}">
-                <a16:creationId xmlns:a16="http://schemas.microsoft.com/office/drawing/2014/main" id="{787FED42-09D2-4274-9F63-8D912C16ADF8}"/>
-              </a:ext>
-            </a:extLst>
-          </p:cNvPr>
-          <p:cNvSpPr txBox="1"/>
-          <p:nvPr/>
-        </p:nvSpPr>
-        <p:spPr>
-          <a:xfrm>
-            <a:off x="1775520" y="895862"/>
-            <a:ext cx="4716016" cy="1754326"/>
-          </a:xfrm>
-          <a:prstGeom prst="rect">
-            <a:avLst/>
-          </a:prstGeom>
-          <a:noFill/>
-        </p:spPr>
-        <p:txBody>
-          <a:bodyPr wrap="square" rtlCol="0">
-            <a:spAutoFit/>
-          </a:bodyPr>
-          <a:lstStyle/>
-          <a:p>
-            <a:r>
-              <a:rPr lang="ko-KR" altLang="en-US" dirty="0"/>
-              <a:t>현재 진행 상황</a:t>
-            </a:r>
-            <a:endParaRPr lang="en-US" altLang="ko-KR" dirty="0"/>
-          </a:p>
-          <a:p>
-            <a:endParaRPr lang="en-US" altLang="ko-KR" dirty="0"/>
-          </a:p>
-          <a:p>
-            <a:pPr marL="285750" indent="-285750">
-              <a:buFontTx/>
-              <a:buChar char="-"/>
-            </a:pPr>
-            <a:r>
-              <a:rPr lang="ko-KR" altLang="en-US" dirty="0"/>
-              <a:t>로그인 및 회원 가입 기능 구현</a:t>
-            </a:r>
-            <a:endParaRPr lang="en-US" altLang="ko-KR" dirty="0"/>
-          </a:p>
-          <a:p>
-            <a:pPr marL="285750" indent="-285750">
-              <a:buFontTx/>
-              <a:buChar char="-"/>
-            </a:pPr>
-            <a:r>
-              <a:rPr lang="ko-KR" altLang="en-US" dirty="0"/>
-              <a:t>물건 등록  및 조회 기능 구현</a:t>
-            </a:r>
-            <a:endParaRPr lang="en-US" altLang="ko-KR" dirty="0"/>
-          </a:p>
-          <a:p>
-            <a:pPr marL="285750" indent="-285750">
-              <a:buFontTx/>
-              <a:buChar char="-"/>
-            </a:pPr>
-            <a:r>
-              <a:rPr lang="en-US" altLang="ko-KR" dirty="0"/>
-              <a:t>DB </a:t>
-            </a:r>
-            <a:r>
-              <a:rPr lang="ko-KR" altLang="en-US" dirty="0"/>
-              <a:t>연동 일부 기능 구현</a:t>
-            </a:r>
-            <a:endParaRPr lang="en-US" altLang="ko-KR" dirty="0"/>
-          </a:p>
-          <a:p>
-            <a:endParaRPr lang="en-US" altLang="ko-KR" dirty="0"/>
-          </a:p>
-        </p:txBody>
-      </p:sp>
-      <p:sp>
-        <p:nvSpPr>
-          <p:cNvPr id="8" name="TextBox 7">
-            <a:extLst>
-              <a:ext uri="{FF2B5EF4-FFF2-40B4-BE49-F238E27FC236}">
-                <a16:creationId xmlns:a16="http://schemas.microsoft.com/office/drawing/2014/main" id="{EF5B6D77-7795-46A4-8969-964AB6C2FAF8}"/>
-              </a:ext>
-            </a:extLst>
-          </p:cNvPr>
-          <p:cNvSpPr txBox="1"/>
-          <p:nvPr/>
-        </p:nvSpPr>
-        <p:spPr>
-          <a:xfrm>
-            <a:off x="1775520" y="3435576"/>
-            <a:ext cx="5112568" cy="1200329"/>
-          </a:xfrm>
-          <a:prstGeom prst="rect">
-            <a:avLst/>
-          </a:prstGeom>
-          <a:noFill/>
-        </p:spPr>
-        <p:txBody>
-          <a:bodyPr wrap="square" rtlCol="0">
-            <a:spAutoFit/>
-          </a:bodyPr>
-          <a:lstStyle/>
-          <a:p>
-            <a:r>
-              <a:rPr lang="ko-KR" altLang="en-US" dirty="0"/>
-              <a:t>문제 상황</a:t>
-            </a:r>
-            <a:endParaRPr lang="en-US" altLang="ko-KR" dirty="0"/>
-          </a:p>
-          <a:p>
-            <a:endParaRPr lang="en-US" altLang="ko-KR" dirty="0"/>
-          </a:p>
-          <a:p>
-            <a:pPr marL="285750" indent="-285750">
-              <a:buFontTx/>
-              <a:buChar char="-"/>
-            </a:pPr>
-            <a:r>
-              <a:rPr lang="ko-KR" altLang="en-US" dirty="0"/>
-              <a:t>입찰 부분에서 </a:t>
-            </a:r>
-            <a:r>
-              <a:rPr lang="en-US" altLang="ko-KR" dirty="0"/>
-              <a:t>DB</a:t>
-            </a:r>
-            <a:r>
-              <a:rPr lang="ko-KR" altLang="en-US" dirty="0"/>
-              <a:t>연동 문제</a:t>
-            </a:r>
-            <a:endParaRPr lang="en-US" altLang="ko-KR" dirty="0"/>
-          </a:p>
-          <a:p>
-            <a:pPr marL="285750" indent="-285750">
-              <a:buFontTx/>
-              <a:buChar char="-"/>
-            </a:pPr>
-            <a:r>
-              <a:rPr lang="ko-KR" altLang="en-US" dirty="0"/>
-              <a:t>입찰 부분에서 </a:t>
-            </a:r>
-            <a:r>
-              <a:rPr lang="en-US" altLang="ko-KR" dirty="0"/>
-              <a:t>DB </a:t>
-            </a:r>
-            <a:r>
-              <a:rPr lang="ko-KR" altLang="en-US" dirty="0"/>
-              <a:t>불러오기 및</a:t>
-            </a:r>
-            <a:r>
-              <a:rPr lang="en-US" altLang="ko-KR" dirty="0"/>
-              <a:t>, API </a:t>
-            </a:r>
-            <a:r>
-              <a:rPr lang="ko-KR" altLang="en-US" dirty="0"/>
-              <a:t>호출</a:t>
-            </a:r>
-          </a:p>
-        </p:txBody>
-      </p:sp>
-    </p:spTree>
-    <p:extLst>
-      <p:ext uri="{BB962C8B-B14F-4D97-AF65-F5344CB8AC3E}">
-        <p14:creationId xmlns:p14="http://schemas.microsoft.com/office/powerpoint/2010/main" val="3790045467"/>
-      </p:ext>
-    </p:extLst>
-  </p:cSld>
-  <p:clrMapOvr>
-    <a:masterClrMapping/>
-  </p:clrMapOvr>
-</p:sld>
-</file>
-
-<file path=ppt/slides/slide18.xml><?xml version="1.0" encoding="utf-8"?>
-<p:sld xmlns:a="http://schemas.openxmlformats.org/drawingml/2006/main" xmlns:r="http://schemas.openxmlformats.org/officeDocument/2006/relationships" xmlns:p="http://schemas.openxmlformats.org/presentationml/2006/main">
-  <p:cSld>
     <p:bg>
       <p:bgPr>
         <a:solidFill>
@@ -11927,254 +11599,6 @@
           <a:lstStyle/>
           <a:p>
             <a:endParaRPr lang="ko-KR" altLang="en-US"/>
-          </a:p>
-        </p:txBody>
-      </p:sp>
-      <p:sp>
-        <p:nvSpPr>
-          <p:cNvPr id="7" name="제목 1">
-            <a:extLst>
-              <a:ext uri="{FF2B5EF4-FFF2-40B4-BE49-F238E27FC236}">
-                <a16:creationId xmlns:a16="http://schemas.microsoft.com/office/drawing/2014/main" id="{1AF2EA5B-07AC-48C2-A560-68F79504D479}"/>
-              </a:ext>
-            </a:extLst>
-          </p:cNvPr>
-          <p:cNvSpPr>
-            <a:spLocks noGrp="1"/>
-          </p:cNvSpPr>
-          <p:nvPr>
-            <p:ph type="title"/>
-          </p:nvPr>
-        </p:nvSpPr>
-        <p:spPr>
-          <a:xfrm>
-            <a:off x="609600" y="736769"/>
-            <a:ext cx="10972800" cy="1143000"/>
-          </a:xfrm>
-        </p:spPr>
-        <p:txBody>
-          <a:bodyPr/>
-          <a:lstStyle/>
-          <a:p>
-            <a:pPr algn="ctr"/>
-            <a:r>
-              <a:rPr lang="ko-KR" altLang="en-US" dirty="0"/>
-              <a:t>사용 도구</a:t>
-            </a:r>
-          </a:p>
-        </p:txBody>
-      </p:sp>
-      <p:pic>
-        <p:nvPicPr>
-          <p:cNvPr id="8" name="Picture 2">
-            <a:extLst>
-              <a:ext uri="{FF2B5EF4-FFF2-40B4-BE49-F238E27FC236}">
-                <a16:creationId xmlns:a16="http://schemas.microsoft.com/office/drawing/2014/main" id="{A920D625-7FD5-42FF-A7EB-DA78F4EE8981}"/>
-              </a:ext>
-            </a:extLst>
-          </p:cNvPr>
-          <p:cNvPicPr>
-            <a:picLocks noGrp="1" noChangeAspect="1" noChangeArrowheads="1"/>
-          </p:cNvPicPr>
-          <p:nvPr>
-            <p:ph idx="1"/>
-          </p:nvPr>
-        </p:nvPicPr>
-        <p:blipFill>
-          <a:blip r:embed="rId2">
-            <a:extLst>
-              <a:ext uri="{28A0092B-C50C-407E-A947-70E740481C1C}">
-                <a14:useLocalDpi xmlns:a14="http://schemas.microsoft.com/office/drawing/2010/main" val="0"/>
-              </a:ext>
-            </a:extLst>
-          </a:blip>
-          <a:srcRect/>
-          <a:stretch>
-            <a:fillRect/>
-          </a:stretch>
-        </p:blipFill>
-        <p:spPr bwMode="auto">
-          <a:xfrm>
-            <a:off x="1668175" y="1837089"/>
-            <a:ext cx="3528392" cy="3600400"/>
-          </a:xfrm>
-          <a:prstGeom prst="rect">
-            <a:avLst/>
-          </a:prstGeom>
-          <a:noFill/>
-          <a:ln>
-            <a:noFill/>
-          </a:ln>
-          <a:effectLst/>
-          <a:extLst>
-            <a:ext uri="{909E8E84-426E-40DD-AFC4-6F175D3DCCD1}">
-              <a14:hiddenFill xmlns:a14="http://schemas.microsoft.com/office/drawing/2010/main">
-                <a:solidFill>
-                  <a:schemeClr val="accent1"/>
-                </a:solidFill>
-              </a14:hiddenFill>
-            </a:ext>
-            <a:ext uri="{91240B29-F687-4F45-9708-019B960494DF}">
-              <a14:hiddenLine xmlns:a14="http://schemas.microsoft.com/office/drawing/2010/main" w="9525">
-                <a:solidFill>
-                  <a:schemeClr val="tx1"/>
-                </a:solidFill>
-                <a:miter lim="800000"/>
-                <a:headEnd/>
-                <a:tailEnd/>
-              </a14:hiddenLine>
-            </a:ext>
-            <a:ext uri="{AF507438-7753-43E0-B8FC-AC1667EBCBE1}">
-              <a14:hiddenEffects xmlns:a14="http://schemas.microsoft.com/office/drawing/2010/main">
-                <a:effectLst>
-                  <a:outerShdw dist="35921" dir="2700000" algn="ctr" rotWithShape="0">
-                    <a:schemeClr val="bg2"/>
-                  </a:outerShdw>
-                </a:effectLst>
-              </a14:hiddenEffects>
-            </a:ext>
-          </a:extLst>
-        </p:spPr>
-      </p:pic>
-      <p:sp>
-        <p:nvSpPr>
-          <p:cNvPr id="9" name="TextBox 8">
-            <a:extLst>
-              <a:ext uri="{FF2B5EF4-FFF2-40B4-BE49-F238E27FC236}">
-                <a16:creationId xmlns:a16="http://schemas.microsoft.com/office/drawing/2014/main" id="{A6875F94-D004-4462-A875-938C0F5B2989}"/>
-              </a:ext>
-            </a:extLst>
-          </p:cNvPr>
-          <p:cNvSpPr txBox="1"/>
-          <p:nvPr/>
-        </p:nvSpPr>
-        <p:spPr>
-          <a:xfrm>
-            <a:off x="2279576" y="5877272"/>
-            <a:ext cx="3672408" cy="369332"/>
-          </a:xfrm>
-          <a:prstGeom prst="rect">
-            <a:avLst/>
-          </a:prstGeom>
-          <a:noFill/>
-        </p:spPr>
-        <p:txBody>
-          <a:bodyPr wrap="square" rtlCol="0">
-            <a:spAutoFit/>
-          </a:bodyPr>
-          <a:lstStyle/>
-          <a:p>
-            <a:r>
-              <a:rPr lang="en-US" altLang="ko-KR" dirty="0">
-                <a:solidFill>
-                  <a:prstClr val="black"/>
-                </a:solidFill>
-                <a:latin typeface="맑은 고딕"/>
-                <a:ea typeface="맑은 고딕" panose="020B0503020000020004" pitchFamily="50" charset="-127"/>
-              </a:rPr>
-              <a:t>React – Native</a:t>
-            </a:r>
-          </a:p>
-        </p:txBody>
-      </p:sp>
-      <p:pic>
-        <p:nvPicPr>
-          <p:cNvPr id="10" name="Picture 3">
-            <a:extLst>
-              <a:ext uri="{FF2B5EF4-FFF2-40B4-BE49-F238E27FC236}">
-                <a16:creationId xmlns:a16="http://schemas.microsoft.com/office/drawing/2014/main" id="{97491471-5680-468B-9C2B-60A6A8607505}"/>
-              </a:ext>
-            </a:extLst>
-          </p:cNvPr>
-          <p:cNvPicPr>
-            <a:picLocks noChangeAspect="1" noChangeArrowheads="1"/>
-          </p:cNvPicPr>
-          <p:nvPr/>
-        </p:nvPicPr>
-        <p:blipFill>
-          <a:blip r:embed="rId3">
-            <a:extLst>
-              <a:ext uri="{28A0092B-C50C-407E-A947-70E740481C1C}">
-                <a14:useLocalDpi xmlns:a14="http://schemas.microsoft.com/office/drawing/2010/main" val="0"/>
-              </a:ext>
-            </a:extLst>
-          </a:blip>
-          <a:srcRect/>
-          <a:stretch>
-            <a:fillRect/>
-          </a:stretch>
-        </p:blipFill>
-        <p:spPr bwMode="auto">
-          <a:xfrm>
-            <a:off x="6384032" y="1877506"/>
-            <a:ext cx="3600400" cy="3680646"/>
-          </a:xfrm>
-          <a:prstGeom prst="rect">
-            <a:avLst/>
-          </a:prstGeom>
-          <a:noFill/>
-          <a:ln>
-            <a:noFill/>
-          </a:ln>
-          <a:extLst>
-            <a:ext uri="{909E8E84-426E-40DD-AFC4-6F175D3DCCD1}">
-              <a14:hiddenFill xmlns:a14="http://schemas.microsoft.com/office/drawing/2010/main">
-                <a:solidFill>
-                  <a:schemeClr val="accent1"/>
-                </a:solidFill>
-              </a14:hiddenFill>
-            </a:ext>
-            <a:ext uri="{91240B29-F687-4F45-9708-019B960494DF}">
-              <a14:hiddenLine xmlns:a14="http://schemas.microsoft.com/office/drawing/2010/main" w="9525">
-                <a:solidFill>
-                  <a:schemeClr val="tx1"/>
-                </a:solidFill>
-                <a:miter lim="800000"/>
-                <a:headEnd/>
-                <a:tailEnd/>
-              </a14:hiddenLine>
-            </a:ext>
-          </a:extLst>
-        </p:spPr>
-      </p:pic>
-      <p:sp>
-        <p:nvSpPr>
-          <p:cNvPr id="11" name="TextBox 10">
-            <a:extLst>
-              <a:ext uri="{FF2B5EF4-FFF2-40B4-BE49-F238E27FC236}">
-                <a16:creationId xmlns:a16="http://schemas.microsoft.com/office/drawing/2014/main" id="{CEC95B75-104E-4233-8B38-AB7BDB3F9E97}"/>
-              </a:ext>
-            </a:extLst>
-          </p:cNvPr>
-          <p:cNvSpPr txBox="1"/>
-          <p:nvPr/>
-        </p:nvSpPr>
-        <p:spPr>
-          <a:xfrm>
-            <a:off x="5951984" y="5733256"/>
-            <a:ext cx="4608512" cy="369332"/>
-          </a:xfrm>
-          <a:prstGeom prst="rect">
-            <a:avLst/>
-          </a:prstGeom>
-          <a:noFill/>
-        </p:spPr>
-        <p:txBody>
-          <a:bodyPr wrap="square" rtlCol="0">
-            <a:spAutoFit/>
-          </a:bodyPr>
-          <a:lstStyle/>
-          <a:p>
-            <a:r>
-              <a:rPr lang="en-US" altLang="ko-KR" dirty="0">
-                <a:solidFill>
-                  <a:prstClr val="black"/>
-                </a:solidFill>
-                <a:latin typeface="맑은 고딕"/>
-                <a:ea typeface="맑은 고딕" panose="020B0503020000020004" pitchFamily="50" charset="-127"/>
-              </a:rPr>
-              <a:t>MongoDB, Mongoose, Express, Node Js</a:t>
-            </a:r>
           </a:p>
         </p:txBody>
       </p:sp>
